--- a/docs/ectm_presentation.pptx
+++ b/docs/ectm_presentation.pptx
@@ -464,7 +464,7 @@
           <a:p>
             <a:fld id="{816CF061-B839-684F-8095-B57E1AB6999C}" type="datetimeFigureOut">
               <a:rPr lang="en-US" smtClean="0"/>
-              <a:t>7/26/18</a:t>
+              <a:t>8/4/18</a:t>
             </a:fld>
             <a:endParaRPr lang="en-US"/>
           </a:p>
@@ -1557,7 +1557,7 @@
           <a:p>
             <a:fld id="{816CF061-B839-684F-8095-B57E1AB6999C}" type="datetimeFigureOut">
               <a:rPr lang="en-US" smtClean="0"/>
-              <a:t>7/26/18</a:t>
+              <a:t>8/4/18</a:t>
             </a:fld>
             <a:endParaRPr lang="en-US"/>
           </a:p>
@@ -2537,7 +2537,7 @@
           <a:p>
             <a:fld id="{816CF061-B839-684F-8095-B57E1AB6999C}" type="datetimeFigureOut">
               <a:rPr lang="en-US" smtClean="0"/>
-              <a:t>7/26/18</a:t>
+              <a:t>8/4/18</a:t>
             </a:fld>
             <a:endParaRPr lang="en-US"/>
           </a:p>
@@ -3671,7 +3671,7 @@
           <a:p>
             <a:fld id="{816CF061-B839-684F-8095-B57E1AB6999C}" type="datetimeFigureOut">
               <a:rPr lang="en-US" smtClean="0"/>
-              <a:t>7/26/18</a:t>
+              <a:t>8/4/18</a:t>
             </a:fld>
             <a:endParaRPr lang="en-US"/>
           </a:p>
@@ -4704,7 +4704,7 @@
           <a:p>
             <a:fld id="{816CF061-B839-684F-8095-B57E1AB6999C}" type="datetimeFigureOut">
               <a:rPr lang="en-US" smtClean="0"/>
-              <a:t>7/26/18</a:t>
+              <a:t>8/4/18</a:t>
             </a:fld>
             <a:endParaRPr lang="en-US"/>
           </a:p>
@@ -5364,7 +5364,7 @@
           <a:p>
             <a:fld id="{816CF061-B839-684F-8095-B57E1AB6999C}" type="datetimeFigureOut">
               <a:rPr lang="en-US" smtClean="0"/>
-              <a:t>7/26/18</a:t>
+              <a:t>8/4/18</a:t>
             </a:fld>
             <a:endParaRPr lang="en-US"/>
           </a:p>
@@ -6225,7 +6225,7 @@
           <a:p>
             <a:fld id="{816CF061-B839-684F-8095-B57E1AB6999C}" type="datetimeFigureOut">
               <a:rPr lang="en-US" smtClean="0"/>
-              <a:t>7/26/18</a:t>
+              <a:t>8/4/18</a:t>
             </a:fld>
             <a:endParaRPr lang="en-US"/>
           </a:p>
@@ -6415,7 +6415,7 @@
           <a:p>
             <a:fld id="{816CF061-B839-684F-8095-B57E1AB6999C}" type="datetimeFigureOut">
               <a:rPr lang="en-US" smtClean="0"/>
-              <a:t>7/26/18</a:t>
+              <a:t>8/4/18</a:t>
             </a:fld>
             <a:endParaRPr lang="en-US"/>
           </a:p>
@@ -7387,7 +7387,7 @@
           <a:p>
             <a:fld id="{816CF061-B839-684F-8095-B57E1AB6999C}" type="datetimeFigureOut">
               <a:rPr lang="en-US" smtClean="0"/>
-              <a:t>7/26/18</a:t>
+              <a:t>8/4/18</a:t>
             </a:fld>
             <a:endParaRPr lang="en-US"/>
           </a:p>
@@ -7603,7 +7603,7 @@
           <a:p>
             <a:fld id="{816CF061-B839-684F-8095-B57E1AB6999C}" type="datetimeFigureOut">
               <a:rPr lang="en-US" smtClean="0"/>
-              <a:t>7/26/18</a:t>
+              <a:t>8/4/18</a:t>
             </a:fld>
             <a:endParaRPr lang="en-US"/>
           </a:p>
@@ -8637,7 +8637,7 @@
           <a:p>
             <a:fld id="{816CF061-B839-684F-8095-B57E1AB6999C}" type="datetimeFigureOut">
               <a:rPr lang="en-US" smtClean="0"/>
-              <a:t>7/26/18</a:t>
+              <a:t>8/4/18</a:t>
             </a:fld>
             <a:endParaRPr lang="en-US"/>
           </a:p>
@@ -8914,7 +8914,7 @@
           <a:p>
             <a:fld id="{816CF061-B839-684F-8095-B57E1AB6999C}" type="datetimeFigureOut">
               <a:rPr lang="en-US" smtClean="0"/>
-              <a:t>7/26/18</a:t>
+              <a:t>8/4/18</a:t>
             </a:fld>
             <a:endParaRPr lang="en-US"/>
           </a:p>
@@ -9329,7 +9329,7 @@
           <a:p>
             <a:fld id="{816CF061-B839-684F-8095-B57E1AB6999C}" type="datetimeFigureOut">
               <a:rPr lang="en-US" smtClean="0"/>
-              <a:t>7/26/18</a:t>
+              <a:t>8/4/18</a:t>
             </a:fld>
             <a:endParaRPr lang="en-US"/>
           </a:p>
@@ -9461,7 +9461,7 @@
           <a:p>
             <a:fld id="{816CF061-B839-684F-8095-B57E1AB6999C}" type="datetimeFigureOut">
               <a:rPr lang="en-US" smtClean="0"/>
-              <a:t>7/26/18</a:t>
+              <a:t>8/4/18</a:t>
             </a:fld>
             <a:endParaRPr lang="en-US"/>
           </a:p>
@@ -9556,7 +9556,7 @@
           <a:p>
             <a:fld id="{816CF061-B839-684F-8095-B57E1AB6999C}" type="datetimeFigureOut">
               <a:rPr lang="en-US" smtClean="0"/>
-              <a:t>7/26/18</a:t>
+              <a:t>8/4/18</a:t>
             </a:fld>
             <a:endParaRPr lang="en-US"/>
           </a:p>
@@ -10642,7 +10642,7 @@
           <a:p>
             <a:fld id="{816CF061-B839-684F-8095-B57E1AB6999C}" type="datetimeFigureOut">
               <a:rPr lang="en-US" smtClean="0"/>
-              <a:t>7/26/18</a:t>
+              <a:t>8/4/18</a:t>
             </a:fld>
             <a:endParaRPr lang="en-US"/>
           </a:p>
@@ -11755,7 +11755,7 @@
           <a:p>
             <a:fld id="{816CF061-B839-684F-8095-B57E1AB6999C}" type="datetimeFigureOut">
               <a:rPr lang="en-US" smtClean="0"/>
-              <a:t>7/26/18</a:t>
+              <a:t>8/4/18</a:t>
             </a:fld>
             <a:endParaRPr lang="en-US"/>
           </a:p>
@@ -12752,7 +12752,7 @@
           <a:p>
             <a:fld id="{816CF061-B839-684F-8095-B57E1AB6999C}" type="datetimeFigureOut">
               <a:rPr lang="en-US" smtClean="0"/>
-              <a:t>7/26/18</a:t>
+              <a:t>8/4/18</a:t>
             </a:fld>
             <a:endParaRPr lang="en-US"/>
           </a:p>
@@ -13780,10 +13780,10 @@
       </p:sp>
       <p:pic>
         <p:nvPicPr>
-          <p:cNvPr id="6" name="Content Placeholder 5">
+          <p:cNvPr id="7" name="Content Placeholder 6">
             <a:extLst>
               <a:ext uri="{FF2B5EF4-FFF2-40B4-BE49-F238E27FC236}">
-                <a16:creationId xmlns:a16="http://schemas.microsoft.com/office/drawing/2014/main" id="{18B680F8-BC96-A843-A222-56701F59F7D4}"/>
+                <a16:creationId xmlns:a16="http://schemas.microsoft.com/office/drawing/2014/main" id="{F65C3F26-64B5-8A49-8092-5BC27AA6D876}"/>
               </a:ext>
             </a:extLst>
           </p:cNvPr>
@@ -13802,8 +13802,8 @@
         </p:blipFill>
         <p:spPr>
           <a:xfrm>
-            <a:off x="1686294" y="2290800"/>
-            <a:ext cx="8359750" cy="4567200"/>
+            <a:off x="1576604" y="2041849"/>
+            <a:ext cx="8815427" cy="4816151"/>
           </a:xfrm>
         </p:spPr>
       </p:pic>
@@ -13861,10 +13861,10 @@
       </p:sp>
       <p:pic>
         <p:nvPicPr>
-          <p:cNvPr id="4" name="Content Placeholder 3">
+          <p:cNvPr id="7" name="Content Placeholder 6">
             <a:extLst>
               <a:ext uri="{FF2B5EF4-FFF2-40B4-BE49-F238E27FC236}">
-                <a16:creationId xmlns:a16="http://schemas.microsoft.com/office/drawing/2014/main" id="{B19EEBF6-E70E-5E45-9888-4FA2CB938469}"/>
+                <a16:creationId xmlns:a16="http://schemas.microsoft.com/office/drawing/2014/main" id="{F23FFA4B-8E84-AB40-B51E-358E7479D2B8}"/>
               </a:ext>
             </a:extLst>
           </p:cNvPr>
@@ -13883,8 +13883,8 @@
         </p:blipFill>
         <p:spPr>
           <a:xfrm>
-            <a:off x="1711009" y="2257047"/>
-            <a:ext cx="8421532" cy="4600953"/>
+            <a:off x="1606379" y="2044613"/>
+            <a:ext cx="8810368" cy="4813387"/>
           </a:xfrm>
         </p:spPr>
       </p:pic>
@@ -13948,10 +13948,10 @@
       </p:sp>
       <p:pic>
         <p:nvPicPr>
-          <p:cNvPr id="4" name="Content Placeholder 3">
+          <p:cNvPr id="7" name="Content Placeholder 6">
             <a:extLst>
               <a:ext uri="{FF2B5EF4-FFF2-40B4-BE49-F238E27FC236}">
-                <a16:creationId xmlns:a16="http://schemas.microsoft.com/office/drawing/2014/main" id="{7AC34F7A-5091-154E-A3EF-FB166FDA29AE}"/>
+                <a16:creationId xmlns:a16="http://schemas.microsoft.com/office/drawing/2014/main" id="{58068D9A-ACD0-AC48-B7C4-136E79F5A91F}"/>
               </a:ext>
             </a:extLst>
           </p:cNvPr>
@@ -13970,8 +13970,8 @@
         </p:blipFill>
         <p:spPr>
           <a:xfrm>
-            <a:off x="1934950" y="2291632"/>
-            <a:ext cx="8358227" cy="4566368"/>
+            <a:off x="1712530" y="2041849"/>
+            <a:ext cx="8815427" cy="4816151"/>
           </a:xfrm>
         </p:spPr>
       </p:pic>
@@ -14033,104 +14033,252 @@
           </a:p>
         </p:txBody>
       </p:sp>
-      <p:sp>
-        <p:nvSpPr>
-          <p:cNvPr id="5" name="Content Placeholder 4">
-            <a:extLst>
-              <a:ext uri="{FF2B5EF4-FFF2-40B4-BE49-F238E27FC236}">
-                <a16:creationId xmlns:a16="http://schemas.microsoft.com/office/drawing/2014/main" id="{67829A18-9E89-6B4E-AED9-07ED0727AA19}"/>
-              </a:ext>
-            </a:extLst>
-          </p:cNvPr>
-          <p:cNvSpPr>
-            <a:spLocks noGrp="1"/>
-          </p:cNvSpPr>
-          <p:nvPr>
-            <p:ph idx="1"/>
-          </p:nvPr>
-        </p:nvSpPr>
-        <p:spPr/>
-        <p:txBody>
-          <a:bodyPr>
-            <a:normAutofit fontScale="85000" lnSpcReduction="10000"/>
-          </a:bodyPr>
-          <a:lstStyle/>
-          <a:p>
-            <a:r>
-              <a:rPr lang="en-US" dirty="0"/>
-              <a:t>In a real world scenario, we would compare the predicted value to the real world value and then compute the accuracy of each algorithm.</a:t>
-            </a:r>
-          </a:p>
-          <a:p>
-            <a:endParaRPr lang="en-US" dirty="0"/>
-          </a:p>
-          <a:p>
-            <a:r>
-              <a:rPr lang="en-US" dirty="0"/>
-              <a:t>Due to the absence of real world data, the results of all the three algorithms are compared using R</a:t>
-            </a:r>
-            <a:r>
-              <a:rPr lang="en-US" baseline="30000" dirty="0"/>
-              <a:t>2</a:t>
-            </a:r>
-            <a:r>
-              <a:rPr lang="en-US" dirty="0"/>
-              <a:t> Score.</a:t>
-            </a:r>
-          </a:p>
-          <a:p>
-            <a:endParaRPr lang="en-US" dirty="0"/>
-          </a:p>
-          <a:p>
-            <a:r>
-              <a:rPr lang="en-US" dirty="0"/>
-              <a:t>R</a:t>
-            </a:r>
-            <a:r>
-              <a:rPr lang="en-US" baseline="30000" dirty="0"/>
-              <a:t>2</a:t>
-            </a:r>
-            <a:r>
-              <a:rPr lang="en-US" dirty="0"/>
-              <a:t> Score is a statistical measure of how close the data are to the fitted regression line.</a:t>
-            </a:r>
-          </a:p>
-          <a:p>
-            <a:endParaRPr lang="en-US" dirty="0"/>
-          </a:p>
-          <a:p>
-            <a:r>
-              <a:rPr lang="en-US" dirty="0"/>
-              <a:t>R</a:t>
-            </a:r>
-            <a:r>
-              <a:rPr lang="en-US" baseline="30000" dirty="0"/>
-              <a:t>2</a:t>
-            </a:r>
-            <a:r>
-              <a:rPr lang="en-US" dirty="0"/>
-              <a:t> = Explained Variation/Total Variation</a:t>
-            </a:r>
-          </a:p>
-          <a:p>
-            <a:endParaRPr lang="en-US" dirty="0"/>
-          </a:p>
-          <a:p>
-            <a:r>
-              <a:rPr lang="en-US" dirty="0"/>
-              <a:t>R</a:t>
-            </a:r>
-            <a:r>
-              <a:rPr lang="en-US" baseline="30000" dirty="0"/>
-              <a:t>2</a:t>
-            </a:r>
-            <a:r>
-              <a:rPr lang="en-US" dirty="0"/>
-              <a:t> is always between 0 and 1, 0 being the least and 1 being the highest.</a:t>
-            </a:r>
-          </a:p>
-        </p:txBody>
-      </p:sp>
+      <mc:AlternateContent xmlns:mc="http://schemas.openxmlformats.org/markup-compatibility/2006">
+        <mc:Choice xmlns:a14="http://schemas.microsoft.com/office/drawing/2010/main" Requires="a14">
+          <p:sp>
+            <p:nvSpPr>
+              <p:cNvPr id="5" name="Content Placeholder 4">
+                <a:extLst>
+                  <a:ext uri="{FF2B5EF4-FFF2-40B4-BE49-F238E27FC236}">
+                    <a16:creationId xmlns:a16="http://schemas.microsoft.com/office/drawing/2014/main" id="{67829A18-9E89-6B4E-AED9-07ED0727AA19}"/>
+                  </a:ext>
+                </a:extLst>
+              </p:cNvPr>
+              <p:cNvSpPr>
+                <a:spLocks noGrp="1"/>
+              </p:cNvSpPr>
+              <p:nvPr>
+                <p:ph idx="1"/>
+              </p:nvPr>
+            </p:nvSpPr>
+            <p:spPr>
+              <a:xfrm>
+                <a:off x="1154954" y="2603499"/>
+                <a:ext cx="8825659" cy="4044435"/>
+              </a:xfrm>
+            </p:spPr>
+            <p:txBody>
+              <a:bodyPr>
+                <a:normAutofit fontScale="70000" lnSpcReduction="20000"/>
+              </a:bodyPr>
+              <a:lstStyle/>
+              <a:p>
+                <a:r>
+                  <a:rPr lang="en-US" dirty="0"/>
+                  <a:t>In a real world scenario, we would compare the predicted value to the real world value and then compute the accuracy of each algorithm using R</a:t>
+                </a:r>
+                <a:r>
+                  <a:rPr lang="en-US" baseline="30000" dirty="0"/>
+                  <a:t>2</a:t>
+                </a:r>
+                <a:r>
+                  <a:rPr lang="en-US" dirty="0"/>
+                  <a:t> Score.</a:t>
+                </a:r>
+              </a:p>
+              <a:p>
+                <a:endParaRPr lang="en-US" dirty="0"/>
+              </a:p>
+              <a:p>
+                <a:r>
+                  <a:rPr lang="en-US" dirty="0"/>
+                  <a:t>Due to the absence of real world data, the results of all the three algorithms are compared using R</a:t>
+                </a:r>
+                <a:r>
+                  <a:rPr lang="en-US" baseline="30000" dirty="0"/>
+                  <a:t>2</a:t>
+                </a:r>
+                <a:r>
+                  <a:rPr lang="en-US" dirty="0"/>
+                  <a:t> Score with the generated data.</a:t>
+                </a:r>
+              </a:p>
+              <a:p>
+                <a:endParaRPr lang="en-US" dirty="0"/>
+              </a:p>
+              <a:p>
+                <a:r>
+                  <a:rPr lang="en-US" dirty="0"/>
+                  <a:t>R</a:t>
+                </a:r>
+                <a:r>
+                  <a:rPr lang="en-US" baseline="30000" dirty="0"/>
+                  <a:t>2</a:t>
+                </a:r>
+                <a:r>
+                  <a:rPr lang="en-US" dirty="0"/>
+                  <a:t> Score is a statistical measure of how close the data are to the fitted regression line.</a:t>
+                </a:r>
+              </a:p>
+              <a:p>
+                <a:endParaRPr lang="en-US" dirty="0"/>
+              </a:p>
+              <a:p>
+                <a14:m>
+                  <m:oMath xmlns:m="http://schemas.openxmlformats.org/officeDocument/2006/math">
+                    <m:sSup>
+                      <m:sSupPr>
+                        <m:ctrlPr>
+                          <a:rPr lang="en-IN" i="1"/>
+                        </m:ctrlPr>
+                      </m:sSupPr>
+                      <m:e>
+                        <m:r>
+                          <a:rPr lang="en-US" i="1"/>
+                          <m:t>𝑅</m:t>
+                        </m:r>
+                      </m:e>
+                      <m:sup>
+                        <m:r>
+                          <a:rPr lang="en-US" i="1"/>
+                          <m:t>2</m:t>
+                        </m:r>
+                      </m:sup>
+                    </m:sSup>
+                    <m:r>
+                      <a:rPr lang="en-US" i="1"/>
+                      <m:t>= </m:t>
+                    </m:r>
+                    <m:f>
+                      <m:fPr>
+                        <m:ctrlPr>
+                          <a:rPr lang="en-IN" i="1"/>
+                        </m:ctrlPr>
+                      </m:fPr>
+                      <m:num>
+                        <m:r>
+                          <a:rPr lang="en-US" i="1"/>
+                          <m:t>𝑆𝑆𝑇</m:t>
+                        </m:r>
+                        <m:r>
+                          <a:rPr lang="en-US" i="1"/>
+                          <m:t>−</m:t>
+                        </m:r>
+                        <m:r>
+                          <a:rPr lang="en-US" i="1"/>
+                          <m:t>𝑆𝑆𝐸</m:t>
+                        </m:r>
+                      </m:num>
+                      <m:den>
+                        <m:r>
+                          <a:rPr lang="en-US" i="1"/>
+                          <m:t>𝑆𝑆𝐸</m:t>
+                        </m:r>
+                      </m:den>
+                    </m:f>
+                  </m:oMath>
+                </a14:m>
+                <a:endParaRPr lang="en-IN" dirty="0"/>
+              </a:p>
+              <a:p>
+                <a:pPr marL="0" indent="0">
+                  <a:buNone/>
+                </a:pPr>
+                <a:r>
+                  <a:rPr lang="en-US" dirty="0"/>
+                  <a:t>	where</a:t>
+                </a:r>
+                <a:endParaRPr lang="en-IN" dirty="0"/>
+              </a:p>
+              <a:p>
+                <a:pPr marL="0" indent="0">
+                  <a:buNone/>
+                </a:pPr>
+                <a:r>
+                  <a:rPr lang="en-US" dirty="0"/>
+                  <a:t>	SST</a:t>
+                </a:r>
+                <a:r>
+                  <a:rPr lang="en-US" baseline="-25000" dirty="0"/>
+                  <a:t> </a:t>
+                </a:r>
+                <a:r>
+                  <a:rPr lang="en-US" dirty="0"/>
+                  <a:t>= Total Sum of Square which is the total variation in the dependent variable</a:t>
+                </a:r>
+                <a:endParaRPr lang="en-IN" dirty="0"/>
+              </a:p>
+              <a:p>
+                <a:pPr marL="0" indent="0">
+                  <a:buNone/>
+                </a:pPr>
+                <a:r>
+                  <a:rPr lang="en-US" dirty="0"/>
+                  <a:t>	SSE</a:t>
+                </a:r>
+                <a:r>
+                  <a:rPr lang="en-US" baseline="-25000" dirty="0"/>
+                  <a:t> </a:t>
+                </a:r>
+                <a:r>
+                  <a:rPr lang="en-US" dirty="0"/>
+                  <a:t>= Sum of Squared Errors which is the amount of variability in dependent variable that is not explained by the model</a:t>
+                </a:r>
+              </a:p>
+              <a:p>
+                <a:endParaRPr lang="en-US" dirty="0"/>
+              </a:p>
+              <a:p>
+                <a:r>
+                  <a:rPr lang="en-US" dirty="0"/>
+                  <a:t>R</a:t>
+                </a:r>
+                <a:r>
+                  <a:rPr lang="en-US" baseline="30000" dirty="0"/>
+                  <a:t>2</a:t>
+                </a:r>
+                <a:r>
+                  <a:rPr lang="en-US" dirty="0"/>
+                  <a:t> is always between 0 and 1, 0 being the least and 1 being the highest.</a:t>
+                </a:r>
+              </a:p>
+            </p:txBody>
+          </p:sp>
+        </mc:Choice>
+        <mc:Fallback>
+          <p:sp>
+            <p:nvSpPr>
+              <p:cNvPr id="5" name="Content Placeholder 4">
+                <a:extLst>
+                  <a:ext uri="{FF2B5EF4-FFF2-40B4-BE49-F238E27FC236}">
+                    <a16:creationId xmlns:a16="http://schemas.microsoft.com/office/drawing/2014/main" id="{67829A18-9E89-6B4E-AED9-07ED0727AA19}"/>
+                  </a:ext>
+                </a:extLst>
+              </p:cNvPr>
+              <p:cNvSpPr>
+                <a:spLocks noGrp="1" noRot="1" noChangeAspect="1" noMove="1" noResize="1" noEditPoints="1" noAdjustHandles="1" noChangeArrowheads="1" noChangeShapeType="1" noTextEdit="1"/>
+              </p:cNvSpPr>
+              <p:nvPr>
+                <p:ph idx="1"/>
+              </p:nvPr>
+            </p:nvSpPr>
+            <p:spPr>
+              <a:xfrm>
+                <a:off x="1154954" y="2603499"/>
+                <a:ext cx="8825659" cy="4044435"/>
+              </a:xfrm>
+              <a:blipFill>
+                <a:blip r:embed="rId2"/>
+                <a:stretch>
+                  <a:fillRect l="-144" t="-940"/>
+                </a:stretch>
+              </a:blipFill>
+            </p:spPr>
+            <p:txBody>
+              <a:bodyPr/>
+              <a:lstStyle/>
+              <a:p>
+                <a:r>
+                  <a:rPr lang="en-US">
+                    <a:noFill/>
+                  </a:rPr>
+                  <a:t> </a:t>
+                </a:r>
+              </a:p>
+            </p:txBody>
+          </p:sp>
+        </mc:Fallback>
+      </mc:AlternateContent>
     </p:spTree>
     <p:extLst>
       <p:ext uri="{BB962C8B-B14F-4D97-AF65-F5344CB8AC3E}">
@@ -14197,44 +14345,21 @@
           </a:p>
         </p:txBody>
       </p:sp>
-      <p:sp>
-        <p:nvSpPr>
-          <p:cNvPr id="3" name="Content Placeholder 2">
+      <p:pic>
+        <p:nvPicPr>
+          <p:cNvPr id="7" name="Content Placeholder 6">
             <a:extLst>
               <a:ext uri="{FF2B5EF4-FFF2-40B4-BE49-F238E27FC236}">
-                <a16:creationId xmlns:a16="http://schemas.microsoft.com/office/drawing/2014/main" id="{3E902F7D-2343-044B-B44B-5C2B5AECD6CA}"/>
-              </a:ext>
-            </a:extLst>
-          </p:cNvPr>
-          <p:cNvSpPr>
-            <a:spLocks noGrp="1"/>
-          </p:cNvSpPr>
-          <p:nvPr>
-            <p:ph idx="1"/>
-          </p:nvPr>
-        </p:nvSpPr>
-        <p:spPr/>
-        <p:txBody>
-          <a:bodyPr/>
-          <a:lstStyle/>
-          <a:p>
-            <a:endParaRPr lang="en-US" dirty="0"/>
-          </a:p>
-        </p:txBody>
-      </p:sp>
-      <p:pic>
-        <p:nvPicPr>
-          <p:cNvPr id="4" name="Content Placeholder 3">
-            <a:extLst>
-              <a:ext uri="{FF2B5EF4-FFF2-40B4-BE49-F238E27FC236}">
-                <a16:creationId xmlns:a16="http://schemas.microsoft.com/office/drawing/2014/main" id="{28F8D113-B672-1540-A0C7-671DDDF48467}"/>
+                <a16:creationId xmlns:a16="http://schemas.microsoft.com/office/drawing/2014/main" id="{61E7B89E-3298-9249-B34A-989358452C45}"/>
               </a:ext>
             </a:extLst>
           </p:cNvPr>
           <p:cNvPicPr>
-            <a:picLocks noChangeAspect="1"/>
+            <a:picLocks noGrp="1" noChangeAspect="1"/>
           </p:cNvPicPr>
-          <p:nvPr/>
+          <p:nvPr>
+            <p:ph idx="1"/>
+          </p:nvPr>
         </p:nvPicPr>
         <p:blipFill>
           <a:blip r:embed="rId2"/>
@@ -14244,8 +14369,8 @@
         </p:blipFill>
         <p:spPr>
           <a:xfrm>
-            <a:off x="2553048" y="2603500"/>
-            <a:ext cx="6029469" cy="3416300"/>
+            <a:off x="3595614" y="2455218"/>
+            <a:ext cx="4942903" cy="3981107"/>
           </a:xfrm>
           <a:prstGeom prst="rect">
             <a:avLst/>
@@ -14329,54 +14454,46 @@
         <p:spPr/>
         <p:txBody>
           <a:bodyPr>
-            <a:normAutofit lnSpcReduction="10000"/>
+            <a:normAutofit/>
           </a:bodyPr>
           <a:lstStyle/>
           <a:p>
             <a:r>
               <a:rPr lang="en-US" dirty="0"/>
-              <a:t>It is clear from the previous table, five out </a:t>
-            </a:r>
-            <a:r>
-              <a:rPr lang="en-US"/>
-              <a:t>of ten </a:t>
+              <a:t>From the R</a:t>
+            </a:r>
+            <a:r>
+              <a:rPr lang="en-US" baseline="30000" dirty="0"/>
+              <a:t>2</a:t>
             </a:r>
             <a:r>
               <a:rPr lang="en-US" dirty="0"/>
-              <a:t>times, Decision Tree’s scores were closer to 1 than any other algorithm</a:t>
-            </a:r>
+              <a:t> Scores table, the results show that the Decision Tree algorithm scores constantly higher than Random Forest and Multiple Linear Regression algorithms.</a:t>
+            </a:r>
+          </a:p>
+          <a:p>
+            <a:endParaRPr lang="en-US" dirty="0"/>
+          </a:p>
+          <a:p>
+            <a:r>
+              <a:rPr lang="en-US" dirty="0"/>
+              <a:t>Random Forest algorithm’s results were very close to Decision Tree’s and is much better than Multiple Linear Regression.</a:t>
+            </a:r>
+          </a:p>
+          <a:p>
+            <a:endParaRPr lang="en-US" dirty="0"/>
+          </a:p>
+          <a:p>
+            <a:r>
+              <a:rPr lang="en-US" dirty="0"/>
+              <a:t>Multiple Linear Regression comes last out of the three.</a:t>
+            </a:r>
+            <a:endParaRPr lang="en-IN" dirty="0"/>
           </a:p>
           <a:p>
             <a:pPr marL="0" indent="0">
               <a:buNone/>
             </a:pPr>
-            <a:endParaRPr lang="en-US" dirty="0"/>
-          </a:p>
-          <a:p>
-            <a:r>
-              <a:rPr lang="en-US" dirty="0"/>
-              <a:t>Four out of ten times, Random Forest’s scores were closest to 1</a:t>
-            </a:r>
-          </a:p>
-          <a:p>
-            <a:endParaRPr lang="en-US" dirty="0"/>
-          </a:p>
-          <a:p>
-            <a:r>
-              <a:rPr lang="en-US" dirty="0"/>
-              <a:t>Multiple Linear Regression scores were closest to 1 only one out of ten times.</a:t>
-            </a:r>
-          </a:p>
-          <a:p>
-            <a:endParaRPr lang="en-US" dirty="0"/>
-          </a:p>
-          <a:p>
-            <a:r>
-              <a:rPr lang="en-US" dirty="0"/>
-              <a:t>Therefore, Decision Tree performed better when compared to Random Forest and Multiple Linear Regression.</a:t>
-            </a:r>
-          </a:p>
-          <a:p>
             <a:endParaRPr lang="en-US" dirty="0"/>
           </a:p>
           <a:p>
@@ -14480,7 +14597,7 @@
           <a:p>
             <a:r>
               <a:rPr lang="en-US" dirty="0"/>
-              <a:t>Next step would be to collect real world data from an actual aircraft engine and then perform predictive analysis in a similar manner</a:t>
+              <a:t>Further, the same process can be carried out and implemented on real world data from an actual aircraft engine to predict when it might actually fail.</a:t>
             </a:r>
           </a:p>
         </p:txBody>
@@ -15947,7 +16064,19 @@
             </a:r>
             <a:r>
               <a:rPr lang="en-IN" i="1" dirty="0"/>
-              <a:t>(x) + …</a:t>
+              <a:t>(x) + … + </a:t>
+            </a:r>
+            <a:r>
+              <a:rPr lang="en-IN" i="1" dirty="0" err="1"/>
+              <a:t>f</a:t>
+            </a:r>
+            <a:r>
+              <a:rPr lang="en-IN" i="1" baseline="-25000" dirty="0" err="1"/>
+              <a:t>n</a:t>
+            </a:r>
+            <a:r>
+              <a:rPr lang="en-IN" i="1" dirty="0"/>
+              <a:t>(x)</a:t>
             </a:r>
           </a:p>
           <a:p>
